--- a/project-flow-chart.pptx
+++ b/project-flow-chart.pptx
@@ -288,7 +288,7 @@
           <a:p>
             <a:fld id="{44FE365E-23D7-44C6-81D2-32ABE10A05DB}" type="datetimeFigureOut">
               <a:rPr lang="en-US" smtClean="0"/>
-              <a:t>4/20/2015</a:t>
+              <a:t>9/6/2015</a:t>
             </a:fld>
             <a:endParaRPr lang="en-US"/>
           </a:p>
@@ -458,7 +458,7 @@
           <a:p>
             <a:fld id="{44FE365E-23D7-44C6-81D2-32ABE10A05DB}" type="datetimeFigureOut">
               <a:rPr lang="en-US" smtClean="0"/>
-              <a:t>4/20/2015</a:t>
+              <a:t>9/6/2015</a:t>
             </a:fld>
             <a:endParaRPr lang="en-US"/>
           </a:p>
@@ -638,7 +638,7 @@
           <a:p>
             <a:fld id="{44FE365E-23D7-44C6-81D2-32ABE10A05DB}" type="datetimeFigureOut">
               <a:rPr lang="en-US" smtClean="0"/>
-              <a:t>4/20/2015</a:t>
+              <a:t>9/6/2015</a:t>
             </a:fld>
             <a:endParaRPr lang="en-US"/>
           </a:p>
@@ -808,7 +808,7 @@
           <a:p>
             <a:fld id="{44FE365E-23D7-44C6-81D2-32ABE10A05DB}" type="datetimeFigureOut">
               <a:rPr lang="en-US" smtClean="0"/>
-              <a:t>4/20/2015</a:t>
+              <a:t>9/6/2015</a:t>
             </a:fld>
             <a:endParaRPr lang="en-US"/>
           </a:p>
@@ -1054,7 +1054,7 @@
           <a:p>
             <a:fld id="{44FE365E-23D7-44C6-81D2-32ABE10A05DB}" type="datetimeFigureOut">
               <a:rPr lang="en-US" smtClean="0"/>
-              <a:t>4/20/2015</a:t>
+              <a:t>9/6/2015</a:t>
             </a:fld>
             <a:endParaRPr lang="en-US"/>
           </a:p>
@@ -1342,7 +1342,7 @@
           <a:p>
             <a:fld id="{44FE365E-23D7-44C6-81D2-32ABE10A05DB}" type="datetimeFigureOut">
               <a:rPr lang="en-US" smtClean="0"/>
-              <a:t>4/20/2015</a:t>
+              <a:t>9/6/2015</a:t>
             </a:fld>
             <a:endParaRPr lang="en-US"/>
           </a:p>
@@ -1764,7 +1764,7 @@
           <a:p>
             <a:fld id="{44FE365E-23D7-44C6-81D2-32ABE10A05DB}" type="datetimeFigureOut">
               <a:rPr lang="en-US" smtClean="0"/>
-              <a:t>4/20/2015</a:t>
+              <a:t>9/6/2015</a:t>
             </a:fld>
             <a:endParaRPr lang="en-US"/>
           </a:p>
@@ -1882,7 +1882,7 @@
           <a:p>
             <a:fld id="{44FE365E-23D7-44C6-81D2-32ABE10A05DB}" type="datetimeFigureOut">
               <a:rPr lang="en-US" smtClean="0"/>
-              <a:t>4/20/2015</a:t>
+              <a:t>9/6/2015</a:t>
             </a:fld>
             <a:endParaRPr lang="en-US"/>
           </a:p>
@@ -1977,7 +1977,7 @@
           <a:p>
             <a:fld id="{44FE365E-23D7-44C6-81D2-32ABE10A05DB}" type="datetimeFigureOut">
               <a:rPr lang="en-US" smtClean="0"/>
-              <a:t>4/20/2015</a:t>
+              <a:t>9/6/2015</a:t>
             </a:fld>
             <a:endParaRPr lang="en-US"/>
           </a:p>
@@ -2254,7 +2254,7 @@
           <a:p>
             <a:fld id="{44FE365E-23D7-44C6-81D2-32ABE10A05DB}" type="datetimeFigureOut">
               <a:rPr lang="en-US" smtClean="0"/>
-              <a:t>4/20/2015</a:t>
+              <a:t>9/6/2015</a:t>
             </a:fld>
             <a:endParaRPr lang="en-US"/>
           </a:p>
@@ -2507,7 +2507,7 @@
           <a:p>
             <a:fld id="{44FE365E-23D7-44C6-81D2-32ABE10A05DB}" type="datetimeFigureOut">
               <a:rPr lang="en-US" smtClean="0"/>
-              <a:t>4/20/2015</a:t>
+              <a:t>9/6/2015</a:t>
             </a:fld>
             <a:endParaRPr lang="en-US"/>
           </a:p>
@@ -2720,7 +2720,7 @@
           <a:p>
             <a:fld id="{44FE365E-23D7-44C6-81D2-32ABE10A05DB}" type="datetimeFigureOut">
               <a:rPr lang="en-US" smtClean="0"/>
-              <a:t>4/20/2015</a:t>
+              <a:t>9/6/2015</a:t>
             </a:fld>
             <a:endParaRPr lang="en-US"/>
           </a:p>
@@ -3173,17 +3173,65 @@
                   <a:schemeClr val="tx1"/>
                 </a:solidFill>
               </a:rPr>
-              <a:t> = “New York”, year = 2013, span = 5, </a:t>
-            </a:r>
-          </a:p>
-          <a:p>
+              <a:t> = “New York”, </a:t>
+            </a:r>
+            <a:r>
+              <a:rPr lang="en-US" sz="1200" b="1" dirty="0" err="1" smtClean="0">
+                <a:solidFill>
+                  <a:schemeClr val="tx1"/>
+                </a:solidFill>
+              </a:rPr>
+              <a:t>endyear</a:t>
+            </a:r>
             <a:r>
               <a:rPr lang="en-US" sz="1200" b="1" dirty="0" smtClean="0">
                 <a:solidFill>
                   <a:schemeClr val="tx1"/>
                 </a:solidFill>
               </a:rPr>
-              <a:t>      geo = “tract”, </a:t>
+              <a:t> </a:t>
+            </a:r>
+            <a:r>
+              <a:rPr lang="en-US" sz="1200" b="1" dirty="0" smtClean="0">
+                <a:solidFill>
+                  <a:schemeClr val="tx1"/>
+                </a:solidFill>
+              </a:rPr>
+              <a:t>= 2013, span = 5, </a:t>
+            </a:r>
+          </a:p>
+          <a:p>
+            <a:r>
+              <a:rPr lang="en-US" sz="1200" b="1" dirty="0" smtClean="0">
+                <a:solidFill>
+                  <a:schemeClr val="tx1"/>
+                </a:solidFill>
+              </a:rPr>
+              <a:t>      </a:t>
+            </a:r>
+            <a:r>
+              <a:rPr lang="en-US" sz="1200" b="1" dirty="0" err="1" smtClean="0">
+                <a:solidFill>
+                  <a:schemeClr val="tx1"/>
+                </a:solidFill>
+              </a:rPr>
+              <a:t>geolvl</a:t>
+            </a:r>
+            <a:r>
+              <a:rPr lang="en-US" sz="1200" b="1" dirty="0" smtClean="0">
+                <a:solidFill>
+                  <a:schemeClr val="tx1"/>
+                </a:solidFill>
+              </a:rPr>
+              <a:t> </a:t>
+            </a:r>
+            <a:r>
+              <a:rPr lang="en-US" sz="1200" b="1" dirty="0" smtClean="0">
+                <a:solidFill>
+                  <a:schemeClr val="tx1"/>
+                </a:solidFill>
+              </a:rPr>
+              <a:t>= “tract”, </a:t>
             </a:r>
             <a:r>
               <a:rPr lang="en-US" sz="1200" b="1" dirty="0" err="1" smtClean="0">
@@ -3199,7 +3247,15 @@
                   <a:schemeClr val="tx1"/>
                 </a:solidFill>
               </a:rPr>
-              <a:t> = c(“Birth Rate by Age”, “Poverty Rate by </a:t>
+              <a:t> = c(“Birth Rate by Age”, “Poverty </a:t>
+            </a:r>
+            <a:r>
+              <a:rPr lang="en-US" sz="1200" b="1" dirty="0" smtClean="0">
+                <a:solidFill>
+                  <a:schemeClr val="tx1"/>
+                </a:solidFill>
+              </a:rPr>
+              <a:t>Rate</a:t>
             </a:r>
           </a:p>
           <a:p>
@@ -3217,7 +3273,23 @@
                   <a:schemeClr val="tx1"/>
                 </a:solidFill>
               </a:rPr>
-              <a:t>     Family Structure”))</a:t>
+              <a:t>     </a:t>
+            </a:r>
+            <a:r>
+              <a:rPr lang="en-US" sz="1200" b="1" dirty="0" smtClean="0">
+                <a:solidFill>
+                  <a:schemeClr val="tx1"/>
+                </a:solidFill>
+              </a:rPr>
+              <a:t>by Family </a:t>
+            </a:r>
+            <a:r>
+              <a:rPr lang="en-US" sz="1200" b="1" dirty="0" smtClean="0">
+                <a:solidFill>
+                  <a:schemeClr val="tx1"/>
+                </a:solidFill>
+              </a:rPr>
+              <a:t>Structure”))</a:t>
             </a:r>
             <a:endParaRPr lang="en-US" sz="1200" b="1" dirty="0">
               <a:solidFill>
@@ -3413,7 +3485,7 @@
           <p:nvPr>
             <p:extLst>
               <p:ext uri="{D42A27DB-BD31-4B8C-83A1-F6EECF244321}">
-                <p14:modId xmlns:p14="http://schemas.microsoft.com/office/powerpoint/2010/main" val="2632084200"/>
+                <p14:modId xmlns:p14="http://schemas.microsoft.com/office/powerpoint/2010/main" val="3924711054"/>
               </p:ext>
             </p:extLst>
           </p:nvPr>
@@ -3446,7 +3518,7 @@
                             <a:sysClr val="windowText" lastClr="000000"/>
                           </a:solidFill>
                         </a:rPr>
-                        <a:t>Measure</a:t>
+                        <a:t>Constructions</a:t>
                       </a:r>
                       <a:endParaRPr lang="en-US" sz="1200" dirty="0">
                         <a:solidFill>
@@ -4896,17 +4968,7 @@
                 <a:latin typeface="Courier New" panose="02070309020205020404" pitchFamily="49" charset="0"/>
                 <a:cs typeface="Courier New" panose="02070309020205020404" pitchFamily="49" charset="0"/>
               </a:rPr>
-              <a:t>    </a:t>
-            </a:r>
-            <a:r>
-              <a:rPr lang="en-US" sz="1200" dirty="0" smtClean="0">
-                <a:solidFill>
-                  <a:schemeClr val="tx1"/>
-                </a:solidFill>
-                <a:latin typeface="Courier New" panose="02070309020205020404" pitchFamily="49" charset="0"/>
-                <a:cs typeface="Courier New" panose="02070309020205020404" pitchFamily="49" charset="0"/>
-              </a:rPr>
-              <a:t>get(paste0(“</a:t>
+              <a:t>    get(paste0(“</a:t>
             </a:r>
             <a:r>
               <a:rPr lang="en-US" sz="1200" dirty="0" err="1" smtClean="0">
